--- a/Java_basic_microcare.pptx
+++ b/Java_basic_microcare.pptx
@@ -20,6 +20,16 @@
     <p:sldId id="266" r:id="rId14"/>
     <p:sldId id="267" r:id="rId15"/>
     <p:sldId id="268" r:id="rId16"/>
+    <p:sldId id="271" r:id="rId17"/>
+    <p:sldId id="272" r:id="rId18"/>
+    <p:sldId id="273" r:id="rId19"/>
+    <p:sldId id="274" r:id="rId20"/>
+    <p:sldId id="275" r:id="rId21"/>
+    <p:sldId id="276" r:id="rId22"/>
+    <p:sldId id="277" r:id="rId23"/>
+    <p:sldId id="278" r:id="rId24"/>
+    <p:sldId id="279" r:id="rId25"/>
+    <p:sldId id="280" r:id="rId26"/>
   </p:sldIdLst>
   <p:sldSz cx="12192000" cy="6858000"/>
   <p:notesSz cx="6858000" cy="9144000"/>
@@ -257,7 +267,7 @@
           <a:p>
             <a:fld id="{75B02136-C3F9-D945-9E08-893F3DD8BAFA}" type="datetimeFigureOut">
               <a:rPr lang="en-US" smtClean="0"/>
-              <a:t>9/14/22</a:t>
+              <a:t>9/15/22</a:t>
             </a:fld>
             <a:endParaRPr lang="en-US"/>
           </a:p>
@@ -427,7 +437,7 @@
           <a:p>
             <a:fld id="{75B02136-C3F9-D945-9E08-893F3DD8BAFA}" type="datetimeFigureOut">
               <a:rPr lang="en-US" smtClean="0"/>
-              <a:t>9/14/22</a:t>
+              <a:t>9/15/22</a:t>
             </a:fld>
             <a:endParaRPr lang="en-US"/>
           </a:p>
@@ -607,7 +617,7 @@
           <a:p>
             <a:fld id="{75B02136-C3F9-D945-9E08-893F3DD8BAFA}" type="datetimeFigureOut">
               <a:rPr lang="en-US" smtClean="0"/>
-              <a:t>9/14/22</a:t>
+              <a:t>9/15/22</a:t>
             </a:fld>
             <a:endParaRPr lang="en-US"/>
           </a:p>
@@ -777,7 +787,7 @@
           <a:p>
             <a:fld id="{75B02136-C3F9-D945-9E08-893F3DD8BAFA}" type="datetimeFigureOut">
               <a:rPr lang="en-US" smtClean="0"/>
-              <a:t>9/14/22</a:t>
+              <a:t>9/15/22</a:t>
             </a:fld>
             <a:endParaRPr lang="en-US"/>
           </a:p>
@@ -1023,7 +1033,7 @@
           <a:p>
             <a:fld id="{75B02136-C3F9-D945-9E08-893F3DD8BAFA}" type="datetimeFigureOut">
               <a:rPr lang="en-US" smtClean="0"/>
-              <a:t>9/14/22</a:t>
+              <a:t>9/15/22</a:t>
             </a:fld>
             <a:endParaRPr lang="en-US"/>
           </a:p>
@@ -1255,7 +1265,7 @@
           <a:p>
             <a:fld id="{75B02136-C3F9-D945-9E08-893F3DD8BAFA}" type="datetimeFigureOut">
               <a:rPr lang="en-US" smtClean="0"/>
-              <a:t>9/14/22</a:t>
+              <a:t>9/15/22</a:t>
             </a:fld>
             <a:endParaRPr lang="en-US"/>
           </a:p>
@@ -1622,7 +1632,7 @@
           <a:p>
             <a:fld id="{75B02136-C3F9-D945-9E08-893F3DD8BAFA}" type="datetimeFigureOut">
               <a:rPr lang="en-US" smtClean="0"/>
-              <a:t>9/14/22</a:t>
+              <a:t>9/15/22</a:t>
             </a:fld>
             <a:endParaRPr lang="en-US"/>
           </a:p>
@@ -1740,7 +1750,7 @@
           <a:p>
             <a:fld id="{75B02136-C3F9-D945-9E08-893F3DD8BAFA}" type="datetimeFigureOut">
               <a:rPr lang="en-US" smtClean="0"/>
-              <a:t>9/14/22</a:t>
+              <a:t>9/15/22</a:t>
             </a:fld>
             <a:endParaRPr lang="en-US"/>
           </a:p>
@@ -1835,7 +1845,7 @@
           <a:p>
             <a:fld id="{75B02136-C3F9-D945-9E08-893F3DD8BAFA}" type="datetimeFigureOut">
               <a:rPr lang="en-US" smtClean="0"/>
-              <a:t>9/14/22</a:t>
+              <a:t>9/15/22</a:t>
             </a:fld>
             <a:endParaRPr lang="en-US"/>
           </a:p>
@@ -2112,7 +2122,7 @@
           <a:p>
             <a:fld id="{75B02136-C3F9-D945-9E08-893F3DD8BAFA}" type="datetimeFigureOut">
               <a:rPr lang="en-US" smtClean="0"/>
-              <a:t>9/14/22</a:t>
+              <a:t>9/15/22</a:t>
             </a:fld>
             <a:endParaRPr lang="en-US"/>
           </a:p>
@@ -2369,7 +2379,7 @@
           <a:p>
             <a:fld id="{75B02136-C3F9-D945-9E08-893F3DD8BAFA}" type="datetimeFigureOut">
               <a:rPr lang="en-US" smtClean="0"/>
-              <a:t>9/14/22</a:t>
+              <a:t>9/15/22</a:t>
             </a:fld>
             <a:endParaRPr lang="en-US"/>
           </a:p>
@@ -2593,7 +2603,7 @@
           <a:p>
             <a:fld id="{75B02136-C3F9-D945-9E08-893F3DD8BAFA}" type="datetimeFigureOut">
               <a:rPr lang="en-US" smtClean="0"/>
-              <a:t>9/14/22</a:t>
+              <a:t>9/15/22</a:t>
             </a:fld>
             <a:endParaRPr lang="en-US"/>
           </a:p>
@@ -4373,7 +4383,7 @@
                         </a:spcAft>
                       </a:pPr>
                       <a:r>
-                        <a:rPr lang="en-IN" sz="2000" b="0" i="0" u="none" strike="noStrike">
+                        <a:rPr lang="en-IN" sz="2000" b="0" i="0" u="none" strike="noStrike" dirty="0">
                           <a:solidFill>
                             <a:srgbClr val="000000"/>
                           </a:solidFill>
@@ -4382,7 +4392,7 @@
                         </a:rPr>
                         <a:t>+= </a:t>
                       </a:r>
-                      <a:endParaRPr lang="en-IN" sz="2000">
+                      <a:endParaRPr lang="en-IN" sz="2000" dirty="0">
                         <a:effectLst/>
                       </a:endParaRPr>
                     </a:p>
@@ -8564,6 +8574,821 @@
 </p:sld>
 </file>
 
+<file path=ppt/slides/slide16.xml><?xml version="1.0" encoding="utf-8"?>
+<p:sld xmlns:a="http://schemas.openxmlformats.org/drawingml/2006/main" xmlns:r="http://schemas.openxmlformats.org/officeDocument/2006/relationships" xmlns:p="http://schemas.openxmlformats.org/presentationml/2006/main">
+  <p:cSld>
+    <p:spTree>
+      <p:nvGrpSpPr>
+        <p:cNvPr id="1" name=""/>
+        <p:cNvGrpSpPr/>
+        <p:nvPr/>
+      </p:nvGrpSpPr>
+      <p:grpSpPr>
+        <a:xfrm>
+          <a:off x="0" y="0"/>
+          <a:ext cx="0" cy="0"/>
+          <a:chOff x="0" y="0"/>
+          <a:chExt cx="0" cy="0"/>
+        </a:xfrm>
+      </p:grpSpPr>
+      <p:sp>
+        <p:nvSpPr>
+          <p:cNvPr id="7" name="TextBox 6">
+            <a:extLst>
+              <a:ext uri="{FF2B5EF4-FFF2-40B4-BE49-F238E27FC236}">
+                <a16:creationId xmlns:a16="http://schemas.microsoft.com/office/drawing/2014/main" id="{BE2A5F00-E26D-000A-794A-C0F81DDF19DF}"/>
+              </a:ext>
+            </a:extLst>
+          </p:cNvPr>
+          <p:cNvSpPr txBox="1"/>
+          <p:nvPr/>
+        </p:nvSpPr>
+        <p:spPr>
+          <a:xfrm>
+            <a:off x="69573" y="0"/>
+            <a:ext cx="12016409" cy="7017306"/>
+          </a:xfrm>
+          <a:prstGeom prst="rect">
+            <a:avLst/>
+          </a:prstGeom>
+          <a:noFill/>
+        </p:spPr>
+        <p:txBody>
+          <a:bodyPr wrap="square">
+            <a:spAutoFit/>
+          </a:bodyPr>
+          <a:lstStyle/>
+          <a:p>
+            <a:r>
+              <a:rPr lang="en-US" b="1" dirty="0"/>
+              <a:t>Math class</a:t>
+            </a:r>
+          </a:p>
+          <a:p>
+            <a:r>
+              <a:rPr lang="en-US" dirty="0"/>
+              <a:t>Math is an important class in Java that is extensively used and has a lot of interesting functions.</a:t>
+            </a:r>
+          </a:p>
+          <a:p>
+            <a:r>
+              <a:rPr lang="en-US" dirty="0"/>
+              <a:t> </a:t>
+            </a:r>
+          </a:p>
+          <a:p>
+            <a:r>
+              <a:rPr lang="en-US" dirty="0"/>
+              <a:t>To import - import </a:t>
+            </a:r>
+            <a:r>
+              <a:rPr lang="en-US" dirty="0" err="1"/>
+              <a:t>java.lang.Math</a:t>
+            </a:r>
+            <a:r>
+              <a:rPr lang="en-US" dirty="0"/>
+              <a:t>;</a:t>
+            </a:r>
+          </a:p>
+          <a:p>
+            <a:endParaRPr lang="en-US" dirty="0"/>
+          </a:p>
+          <a:p>
+            <a:r>
+              <a:rPr lang="en-US" dirty="0"/>
+              <a:t>Some functions include:</a:t>
+            </a:r>
+          </a:p>
+          <a:p>
+            <a:r>
+              <a:rPr lang="en-US" dirty="0"/>
+              <a:t>Max</a:t>
+            </a:r>
+          </a:p>
+          <a:p>
+            <a:r>
+              <a:rPr lang="en-US" dirty="0"/>
+              <a:t>int a = 10;</a:t>
+            </a:r>
+          </a:p>
+          <a:p>
+            <a:r>
+              <a:rPr lang="en-US" dirty="0"/>
+              <a:t>int b = 20;</a:t>
+            </a:r>
+          </a:p>
+          <a:p>
+            <a:r>
+              <a:rPr lang="en-US" dirty="0" err="1"/>
+              <a:t>Math.max</a:t>
+            </a:r>
+            <a:r>
+              <a:rPr lang="en-US" dirty="0"/>
+              <a:t>(a, b);</a:t>
+            </a:r>
+          </a:p>
+          <a:p>
+            <a:endParaRPr lang="en-US" dirty="0"/>
+          </a:p>
+          <a:p>
+            <a:r>
+              <a:rPr lang="en-US" dirty="0"/>
+              <a:t>Min</a:t>
+            </a:r>
+          </a:p>
+          <a:p>
+            <a:r>
+              <a:rPr lang="en-US" dirty="0"/>
+              <a:t>int a = 10;</a:t>
+            </a:r>
+          </a:p>
+          <a:p>
+            <a:r>
+              <a:rPr lang="en-US" dirty="0"/>
+              <a:t>int b = 20;</a:t>
+            </a:r>
+          </a:p>
+          <a:p>
+            <a:r>
+              <a:rPr lang="en-US" dirty="0" err="1"/>
+              <a:t>Math.min</a:t>
+            </a:r>
+            <a:r>
+              <a:rPr lang="en-US" dirty="0"/>
+              <a:t>(</a:t>
+            </a:r>
+            <a:r>
+              <a:rPr lang="en-US" dirty="0" err="1"/>
+              <a:t>a,b</a:t>
+            </a:r>
+            <a:r>
+              <a:rPr lang="en-US" dirty="0"/>
+              <a:t>);</a:t>
+            </a:r>
+          </a:p>
+          <a:p>
+            <a:endParaRPr lang="en-US" dirty="0"/>
+          </a:p>
+          <a:p>
+            <a:r>
+              <a:rPr lang="en-US" dirty="0"/>
+              <a:t>Random</a:t>
+            </a:r>
+          </a:p>
+          <a:p>
+            <a:r>
+              <a:rPr lang="en-US" dirty="0"/>
+              <a:t>int </a:t>
+            </a:r>
+            <a:r>
+              <a:rPr lang="en-US" dirty="0" err="1"/>
+              <a:t>randomNumber</a:t>
+            </a:r>
+            <a:r>
+              <a:rPr lang="en-US" dirty="0"/>
+              <a:t> = (int)(</a:t>
+            </a:r>
+            <a:r>
+              <a:rPr lang="en-US" dirty="0" err="1"/>
+              <a:t>Math.random</a:t>
+            </a:r>
+            <a:r>
+              <a:rPr lang="en-US" dirty="0"/>
+              <a:t>()*100);</a:t>
+            </a:r>
+          </a:p>
+          <a:p>
+            <a:endParaRPr lang="en-US" dirty="0"/>
+          </a:p>
+          <a:p>
+            <a:endParaRPr lang="en-US" dirty="0"/>
+          </a:p>
+          <a:p>
+            <a:endParaRPr lang="en-US" dirty="0"/>
+          </a:p>
+          <a:p>
+            <a:endParaRPr lang="en-US" dirty="0"/>
+          </a:p>
+          <a:p>
+            <a:endParaRPr lang="en-US" dirty="0"/>
+          </a:p>
+          <a:p>
+            <a:endParaRPr lang="en-US" dirty="0"/>
+          </a:p>
+          <a:p>
+            <a:endParaRPr lang="en-US" dirty="0"/>
+          </a:p>
+        </p:txBody>
+      </p:sp>
+    </p:spTree>
+    <p:extLst>
+      <p:ext uri="{BB962C8B-B14F-4D97-AF65-F5344CB8AC3E}">
+        <p14:creationId xmlns:p14="http://schemas.microsoft.com/office/powerpoint/2010/main" val="3897180278"/>
+      </p:ext>
+    </p:extLst>
+  </p:cSld>
+  <p:clrMapOvr>
+    <a:masterClrMapping/>
+  </p:clrMapOvr>
+</p:sld>
+</file>
+
+<file path=ppt/slides/slide17.xml><?xml version="1.0" encoding="utf-8"?>
+<p:sld xmlns:a="http://schemas.openxmlformats.org/drawingml/2006/main" xmlns:r="http://schemas.openxmlformats.org/officeDocument/2006/relationships" xmlns:p="http://schemas.openxmlformats.org/presentationml/2006/main">
+  <p:cSld>
+    <p:spTree>
+      <p:nvGrpSpPr>
+        <p:cNvPr id="1" name=""/>
+        <p:cNvGrpSpPr/>
+        <p:nvPr/>
+      </p:nvGrpSpPr>
+      <p:grpSpPr>
+        <a:xfrm>
+          <a:off x="0" y="0"/>
+          <a:ext cx="0" cy="0"/>
+          <a:chOff x="0" y="0"/>
+          <a:chExt cx="0" cy="0"/>
+        </a:xfrm>
+      </p:grpSpPr>
+      <p:sp>
+        <p:nvSpPr>
+          <p:cNvPr id="7" name="TextBox 6">
+            <a:extLst>
+              <a:ext uri="{FF2B5EF4-FFF2-40B4-BE49-F238E27FC236}">
+                <a16:creationId xmlns:a16="http://schemas.microsoft.com/office/drawing/2014/main" id="{CFAF4BC7-5192-922B-122F-56E7E76DAB0A}"/>
+              </a:ext>
+            </a:extLst>
+          </p:cNvPr>
+          <p:cNvSpPr txBox="1"/>
+          <p:nvPr/>
+        </p:nvSpPr>
+        <p:spPr>
+          <a:xfrm>
+            <a:off x="79513" y="89451"/>
+            <a:ext cx="11926957" cy="3970318"/>
+          </a:xfrm>
+          <a:prstGeom prst="rect">
+            <a:avLst/>
+          </a:prstGeom>
+          <a:noFill/>
+        </p:spPr>
+        <p:txBody>
+          <a:bodyPr wrap="square">
+            <a:spAutoFit/>
+          </a:bodyPr>
+          <a:lstStyle/>
+          <a:p>
+            <a:r>
+              <a:rPr lang="en-US" dirty="0"/>
+              <a:t>Scanner Class:</a:t>
+            </a:r>
+          </a:p>
+          <a:p>
+            <a:endParaRPr lang="en-US" dirty="0"/>
+          </a:p>
+          <a:p>
+            <a:r>
+              <a:rPr lang="en-US" dirty="0"/>
+              <a:t>We take input using the Scanner class and input various types of data using it.</a:t>
+            </a:r>
+          </a:p>
+          <a:p>
+            <a:endParaRPr lang="en-US" dirty="0"/>
+          </a:p>
+          <a:p>
+            <a:r>
+              <a:rPr lang="en-US" dirty="0"/>
+              <a:t> </a:t>
+            </a:r>
+          </a:p>
+          <a:p>
+            <a:r>
+              <a:rPr lang="en-US" dirty="0"/>
+              <a:t>To import the Scanner class – </a:t>
+            </a:r>
+          </a:p>
+          <a:p>
+            <a:r>
+              <a:rPr lang="en-US" dirty="0"/>
+              <a:t>import </a:t>
+            </a:r>
+            <a:r>
+              <a:rPr lang="en-US" dirty="0" err="1"/>
+              <a:t>java.util.Scanner</a:t>
+            </a:r>
+            <a:r>
+              <a:rPr lang="en-US" dirty="0"/>
+              <a:t>;</a:t>
+            </a:r>
+          </a:p>
+          <a:p>
+            <a:endParaRPr lang="en-US" dirty="0"/>
+          </a:p>
+          <a:p>
+            <a:r>
+              <a:rPr lang="en-US" dirty="0"/>
+              <a:t>Example :</a:t>
+            </a:r>
+          </a:p>
+          <a:p>
+            <a:r>
+              <a:rPr lang="en-US" dirty="0"/>
+              <a:t>Scanner </a:t>
+            </a:r>
+            <a:r>
+              <a:rPr lang="en-US" dirty="0" err="1"/>
+              <a:t>sc</a:t>
+            </a:r>
+            <a:r>
+              <a:rPr lang="en-US" dirty="0"/>
+              <a:t> = new Scanner(</a:t>
+            </a:r>
+            <a:r>
+              <a:rPr lang="en-US" dirty="0" err="1"/>
+              <a:t>System.in</a:t>
+            </a:r>
+            <a:r>
+              <a:rPr lang="en-US" dirty="0"/>
+              <a:t>);</a:t>
+            </a:r>
+          </a:p>
+          <a:p>
+            <a:r>
+              <a:rPr lang="en-US" dirty="0"/>
+              <a:t>int n = </a:t>
+            </a:r>
+            <a:r>
+              <a:rPr lang="en-US" dirty="0" err="1"/>
+              <a:t>sc.nextInt</a:t>
+            </a:r>
+            <a:r>
+              <a:rPr lang="en-US" dirty="0"/>
+              <a:t>();</a:t>
+            </a:r>
+          </a:p>
+          <a:p>
+            <a:r>
+              <a:rPr lang="en-US" dirty="0"/>
+              <a:t>float a = </a:t>
+            </a:r>
+            <a:r>
+              <a:rPr lang="en-US" dirty="0" err="1"/>
+              <a:t>sc.nextFloat</a:t>
+            </a:r>
+            <a:r>
+              <a:rPr lang="en-US" dirty="0"/>
+              <a:t>();</a:t>
+            </a:r>
+          </a:p>
+          <a:p>
+            <a:r>
+              <a:rPr lang="en-US" dirty="0"/>
+              <a:t>String name = </a:t>
+            </a:r>
+            <a:r>
+              <a:rPr lang="en-US" dirty="0" err="1"/>
+              <a:t>sc.next</a:t>
+            </a:r>
+            <a:r>
+              <a:rPr lang="en-US" dirty="0"/>
+              <a:t>();</a:t>
+            </a:r>
+          </a:p>
+          <a:p>
+            <a:r>
+              <a:rPr lang="en-US" dirty="0"/>
+              <a:t>String line = </a:t>
+            </a:r>
+            <a:r>
+              <a:rPr lang="en-US" dirty="0" err="1"/>
+              <a:t>sc.nextLine</a:t>
+            </a:r>
+            <a:r>
+              <a:rPr lang="en-US" dirty="0"/>
+              <a:t>();</a:t>
+            </a:r>
+          </a:p>
+        </p:txBody>
+      </p:sp>
+    </p:spTree>
+    <p:extLst>
+      <p:ext uri="{BB962C8B-B14F-4D97-AF65-F5344CB8AC3E}">
+        <p14:creationId xmlns:p14="http://schemas.microsoft.com/office/powerpoint/2010/main" val="4093336765"/>
+      </p:ext>
+    </p:extLst>
+  </p:cSld>
+  <p:clrMapOvr>
+    <a:masterClrMapping/>
+  </p:clrMapOvr>
+</p:sld>
+</file>
+
+<file path=ppt/slides/slide18.xml><?xml version="1.0" encoding="utf-8"?>
+<p:sld xmlns:a="http://schemas.openxmlformats.org/drawingml/2006/main" xmlns:r="http://schemas.openxmlformats.org/officeDocument/2006/relationships" xmlns:p="http://schemas.openxmlformats.org/presentationml/2006/main">
+  <p:cSld>
+    <p:spTree>
+      <p:nvGrpSpPr>
+        <p:cNvPr id="1" name=""/>
+        <p:cNvGrpSpPr/>
+        <p:nvPr/>
+      </p:nvGrpSpPr>
+      <p:grpSpPr>
+        <a:xfrm>
+          <a:off x="0" y="0"/>
+          <a:ext cx="0" cy="0"/>
+          <a:chOff x="0" y="0"/>
+          <a:chExt cx="0" cy="0"/>
+        </a:xfrm>
+      </p:grpSpPr>
+      <p:sp>
+        <p:nvSpPr>
+          <p:cNvPr id="5" name="TextBox 4">
+            <a:extLst>
+              <a:ext uri="{FF2B5EF4-FFF2-40B4-BE49-F238E27FC236}">
+                <a16:creationId xmlns:a16="http://schemas.microsoft.com/office/drawing/2014/main" id="{319E8913-BE94-E8E7-A05D-9D58BB9A6106}"/>
+              </a:ext>
+            </a:extLst>
+          </p:cNvPr>
+          <p:cNvSpPr txBox="1"/>
+          <p:nvPr/>
+        </p:nvSpPr>
+        <p:spPr>
+          <a:xfrm>
+            <a:off x="0" y="89452"/>
+            <a:ext cx="9146484" cy="3416320"/>
+          </a:xfrm>
+          <a:prstGeom prst="rect">
+            <a:avLst/>
+          </a:prstGeom>
+          <a:noFill/>
+        </p:spPr>
+        <p:txBody>
+          <a:bodyPr wrap="square">
+            <a:spAutoFit/>
+          </a:bodyPr>
+          <a:lstStyle/>
+          <a:p>
+            <a:r>
+              <a:rPr lang="en-US" b="1" dirty="0"/>
+              <a:t>Conditional Statements ‘if-else’</a:t>
+            </a:r>
+          </a:p>
+          <a:p>
+            <a:r>
+              <a:rPr lang="en-US" dirty="0"/>
+              <a:t>The if block is used to specify the code to be executed if the condition specified  in if is true, the else block is executed otherwise.</a:t>
+            </a:r>
+          </a:p>
+          <a:p>
+            <a:endParaRPr lang="en-US" dirty="0"/>
+          </a:p>
+          <a:p>
+            <a:r>
+              <a:rPr lang="en-US" dirty="0"/>
+              <a:t>int age = 30;</a:t>
+            </a:r>
+          </a:p>
+          <a:p>
+            <a:r>
+              <a:rPr lang="en-US" dirty="0"/>
+              <a:t>if(age &gt; 18) {</a:t>
+            </a:r>
+          </a:p>
+          <a:p>
+            <a:r>
+              <a:rPr lang="en-US" dirty="0"/>
+              <a:t>   </a:t>
+            </a:r>
+            <a:r>
+              <a:rPr lang="en-US" dirty="0" err="1"/>
+              <a:t>System.out.println</a:t>
+            </a:r>
+            <a:r>
+              <a:rPr lang="en-US" dirty="0"/>
+              <a:t>("This is an adult");</a:t>
+            </a:r>
+          </a:p>
+          <a:p>
+            <a:r>
+              <a:rPr lang="en-US" dirty="0"/>
+              <a:t>} else {</a:t>
+            </a:r>
+          </a:p>
+          <a:p>
+            <a:r>
+              <a:rPr lang="en-US" dirty="0"/>
+              <a:t>   </a:t>
+            </a:r>
+            <a:r>
+              <a:rPr lang="en-US" dirty="0" err="1"/>
+              <a:t>System.out.println</a:t>
+            </a:r>
+            <a:r>
+              <a:rPr lang="en-US" dirty="0"/>
+              <a:t>("This is not an adult");</a:t>
+            </a:r>
+          </a:p>
+          <a:p>
+            <a:r>
+              <a:rPr lang="en-US" dirty="0"/>
+              <a:t>}</a:t>
+            </a:r>
+          </a:p>
+          <a:p>
+            <a:endParaRPr lang="en-US" dirty="0"/>
+          </a:p>
+          <a:p>
+            <a:endParaRPr lang="en-US" dirty="0"/>
+          </a:p>
+        </p:txBody>
+      </p:sp>
+    </p:spTree>
+    <p:extLst>
+      <p:ext uri="{BB962C8B-B14F-4D97-AF65-F5344CB8AC3E}">
+        <p14:creationId xmlns:p14="http://schemas.microsoft.com/office/powerpoint/2010/main" val="2065263991"/>
+      </p:ext>
+    </p:extLst>
+  </p:cSld>
+  <p:clrMapOvr>
+    <a:masterClrMapping/>
+  </p:clrMapOvr>
+</p:sld>
+</file>
+
+<file path=ppt/slides/slide19.xml><?xml version="1.0" encoding="utf-8"?>
+<p:sld xmlns:a="http://schemas.openxmlformats.org/drawingml/2006/main" xmlns:r="http://schemas.openxmlformats.org/officeDocument/2006/relationships" xmlns:p="http://schemas.openxmlformats.org/presentationml/2006/main">
+  <p:cSld>
+    <p:spTree>
+      <p:nvGrpSpPr>
+        <p:cNvPr id="1" name=""/>
+        <p:cNvGrpSpPr/>
+        <p:nvPr/>
+      </p:nvGrpSpPr>
+      <p:grpSpPr>
+        <a:xfrm>
+          <a:off x="0" y="0"/>
+          <a:ext cx="0" cy="0"/>
+          <a:chOff x="0" y="0"/>
+          <a:chExt cx="0" cy="0"/>
+        </a:xfrm>
+      </p:grpSpPr>
+      <p:sp>
+        <p:nvSpPr>
+          <p:cNvPr id="7" name="TextBox 6">
+            <a:extLst>
+              <a:ext uri="{FF2B5EF4-FFF2-40B4-BE49-F238E27FC236}">
+                <a16:creationId xmlns:a16="http://schemas.microsoft.com/office/drawing/2014/main" id="{9281AB55-B685-2500-C3BA-A57D8504197C}"/>
+              </a:ext>
+            </a:extLst>
+          </p:cNvPr>
+          <p:cNvSpPr txBox="1"/>
+          <p:nvPr/>
+        </p:nvSpPr>
+        <p:spPr>
+          <a:xfrm>
+            <a:off x="0" y="102493"/>
+            <a:ext cx="12192000" cy="6986528"/>
+          </a:xfrm>
+          <a:prstGeom prst="rect">
+            <a:avLst/>
+          </a:prstGeom>
+          <a:noFill/>
+        </p:spPr>
+        <p:txBody>
+          <a:bodyPr wrap="square">
+            <a:spAutoFit/>
+          </a:bodyPr>
+          <a:lstStyle/>
+          <a:p>
+            <a:r>
+              <a:rPr lang="en-US" sz="1600" b="1" dirty="0"/>
+              <a:t>Conditional Statements ‘switch’</a:t>
+            </a:r>
+          </a:p>
+          <a:p>
+            <a:r>
+              <a:rPr lang="en-US" sz="1600" dirty="0"/>
+              <a:t>Switch case statements are a substitute for long if statements that compare a variable to multiple values. After a match is found, it executes the</a:t>
+            </a:r>
+          </a:p>
+          <a:p>
+            <a:r>
+              <a:rPr lang="en-US" sz="1600" dirty="0"/>
+              <a:t>corresponding code of that value case.</a:t>
+            </a:r>
+          </a:p>
+          <a:p>
+            <a:endParaRPr lang="en-US" sz="1600" dirty="0"/>
+          </a:p>
+          <a:p>
+            <a:r>
+              <a:rPr lang="en-US" sz="1600" dirty="0"/>
+              <a:t>int n = 1;</a:t>
+            </a:r>
+          </a:p>
+          <a:p>
+            <a:r>
+              <a:rPr lang="en-US" sz="1600" dirty="0"/>
+              <a:t>switch(n) {</a:t>
+            </a:r>
+          </a:p>
+          <a:p>
+            <a:r>
+              <a:rPr lang="en-US" sz="1600" dirty="0"/>
+              <a:t>   case 1 :</a:t>
+            </a:r>
+          </a:p>
+          <a:p>
+            <a:r>
+              <a:rPr lang="en-US" sz="1600" dirty="0"/>
+              <a:t>       </a:t>
+            </a:r>
+            <a:r>
+              <a:rPr lang="en-US" sz="1600" dirty="0" err="1"/>
+              <a:t>System.out.println</a:t>
+            </a:r>
+            <a:r>
+              <a:rPr lang="en-US" sz="1600" dirty="0"/>
+              <a:t>("Monday");</a:t>
+            </a:r>
+          </a:p>
+          <a:p>
+            <a:r>
+              <a:rPr lang="en-US" sz="1600" dirty="0"/>
+              <a:t>       break;</a:t>
+            </a:r>
+          </a:p>
+          <a:p>
+            <a:r>
+              <a:rPr lang="en-US" sz="1600" dirty="0"/>
+              <a:t>   case 2 :</a:t>
+            </a:r>
+          </a:p>
+          <a:p>
+            <a:r>
+              <a:rPr lang="en-US" sz="1600" dirty="0"/>
+              <a:t>       </a:t>
+            </a:r>
+            <a:r>
+              <a:rPr lang="en-US" sz="1600" dirty="0" err="1"/>
+              <a:t>System.out.println</a:t>
+            </a:r>
+            <a:r>
+              <a:rPr lang="en-US" sz="1600" dirty="0"/>
+              <a:t>("Tuesday");</a:t>
+            </a:r>
+          </a:p>
+          <a:p>
+            <a:r>
+              <a:rPr lang="en-US" sz="1600" dirty="0"/>
+              <a:t>       break;</a:t>
+            </a:r>
+          </a:p>
+          <a:p>
+            <a:r>
+              <a:rPr lang="en-US" sz="1600" dirty="0"/>
+              <a:t>   case 3 :</a:t>
+            </a:r>
+          </a:p>
+          <a:p>
+            <a:r>
+              <a:rPr lang="en-US" sz="1600" dirty="0"/>
+              <a:t>       </a:t>
+            </a:r>
+            <a:r>
+              <a:rPr lang="en-US" sz="1600" dirty="0" err="1"/>
+              <a:t>System.out.println</a:t>
+            </a:r>
+            <a:r>
+              <a:rPr lang="en-US" sz="1600" dirty="0"/>
+              <a:t>("Wednesday");</a:t>
+            </a:r>
+          </a:p>
+          <a:p>
+            <a:r>
+              <a:rPr lang="en-US" sz="1600" dirty="0"/>
+              <a:t>       break;</a:t>
+            </a:r>
+          </a:p>
+          <a:p>
+            <a:r>
+              <a:rPr lang="en-US" sz="1600" dirty="0"/>
+              <a:t>   case 4 :</a:t>
+            </a:r>
+          </a:p>
+          <a:p>
+            <a:r>
+              <a:rPr lang="en-US" sz="1600" dirty="0"/>
+              <a:t>       </a:t>
+            </a:r>
+            <a:r>
+              <a:rPr lang="en-US" sz="1600" dirty="0" err="1"/>
+              <a:t>System.out.println</a:t>
+            </a:r>
+            <a:r>
+              <a:rPr lang="en-US" sz="1600" dirty="0"/>
+              <a:t>("Thursday");</a:t>
+            </a:r>
+          </a:p>
+          <a:p>
+            <a:r>
+              <a:rPr lang="en-US" sz="1600" dirty="0"/>
+              <a:t>       break;</a:t>
+            </a:r>
+          </a:p>
+          <a:p>
+            <a:r>
+              <a:rPr lang="en-US" sz="1600" dirty="0"/>
+              <a:t>   case 5:</a:t>
+            </a:r>
+          </a:p>
+          <a:p>
+            <a:r>
+              <a:rPr lang="en-US" sz="1600" dirty="0"/>
+              <a:t>       </a:t>
+            </a:r>
+            <a:r>
+              <a:rPr lang="en-US" sz="1600" dirty="0" err="1"/>
+              <a:t>System.out.println</a:t>
+            </a:r>
+            <a:r>
+              <a:rPr lang="en-US" sz="1600" dirty="0"/>
+              <a:t>("Friday");</a:t>
+            </a:r>
+          </a:p>
+          <a:p>
+            <a:r>
+              <a:rPr lang="en-US" sz="1600" dirty="0"/>
+              <a:t>       break;</a:t>
+            </a:r>
+          </a:p>
+          <a:p>
+            <a:r>
+              <a:rPr lang="en-US" sz="1600" dirty="0"/>
+              <a:t>   case 6 :</a:t>
+            </a:r>
+          </a:p>
+          <a:p>
+            <a:r>
+              <a:rPr lang="en-US" sz="1600" dirty="0"/>
+              <a:t>       </a:t>
+            </a:r>
+            <a:r>
+              <a:rPr lang="en-US" sz="1600" dirty="0" err="1"/>
+              <a:t>System.out.println</a:t>
+            </a:r>
+            <a:r>
+              <a:rPr lang="en-US" sz="1600" dirty="0"/>
+              <a:t>("Saturday");</a:t>
+            </a:r>
+          </a:p>
+          <a:p>
+            <a:r>
+              <a:rPr lang="en-US" sz="1600" dirty="0"/>
+              <a:t>       break;</a:t>
+            </a:r>
+          </a:p>
+          <a:p>
+            <a:r>
+              <a:rPr lang="en-US" sz="1600" dirty="0"/>
+              <a:t>   default :</a:t>
+            </a:r>
+          </a:p>
+          <a:p>
+            <a:r>
+              <a:rPr lang="en-US" sz="1600" dirty="0"/>
+              <a:t>       </a:t>
+            </a:r>
+            <a:r>
+              <a:rPr lang="en-US" sz="1600" dirty="0" err="1"/>
+              <a:t>System.out.println</a:t>
+            </a:r>
+            <a:r>
+              <a:rPr lang="en-US" sz="1600" dirty="0"/>
+              <a:t>("Sunday");</a:t>
+            </a:r>
+          </a:p>
+          <a:p>
+            <a:r>
+              <a:rPr lang="en-US" sz="1600" dirty="0"/>
+              <a:t>}</a:t>
+            </a:r>
+          </a:p>
+        </p:txBody>
+      </p:sp>
+    </p:spTree>
+    <p:extLst>
+      <p:ext uri="{BB962C8B-B14F-4D97-AF65-F5344CB8AC3E}">
+        <p14:creationId xmlns:p14="http://schemas.microsoft.com/office/powerpoint/2010/main" val="1432553573"/>
+      </p:ext>
+    </p:extLst>
+  </p:cSld>
+  <p:clrMapOvr>
+    <a:masterClrMapping/>
+  </p:clrMapOvr>
+</p:sld>
+</file>
+
 <file path=ppt/slides/slide2.xml><?xml version="1.0" encoding="utf-8"?>
 <p:sld xmlns:a="http://schemas.openxmlformats.org/drawingml/2006/main" xmlns:r="http://schemas.openxmlformats.org/officeDocument/2006/relationships" xmlns:p="http://schemas.openxmlformats.org/presentationml/2006/main">
   <p:cSld>
@@ -8743,6 +9568,1102 @@
     <p:extLst>
       <p:ext uri="{BB962C8B-B14F-4D97-AF65-F5344CB8AC3E}">
         <p14:creationId xmlns:p14="http://schemas.microsoft.com/office/powerpoint/2010/main" val="911694460"/>
+      </p:ext>
+    </p:extLst>
+  </p:cSld>
+  <p:clrMapOvr>
+    <a:masterClrMapping/>
+  </p:clrMapOvr>
+</p:sld>
+</file>
+
+<file path=ppt/slides/slide20.xml><?xml version="1.0" encoding="utf-8"?>
+<p:sld xmlns:a="http://schemas.openxmlformats.org/drawingml/2006/main" xmlns:r="http://schemas.openxmlformats.org/officeDocument/2006/relationships" xmlns:p="http://schemas.openxmlformats.org/presentationml/2006/main">
+  <p:cSld>
+    <p:spTree>
+      <p:nvGrpSpPr>
+        <p:cNvPr id="1" name=""/>
+        <p:cNvGrpSpPr/>
+        <p:nvPr/>
+      </p:nvGrpSpPr>
+      <p:grpSpPr>
+        <a:xfrm>
+          <a:off x="0" y="0"/>
+          <a:ext cx="0" cy="0"/>
+          <a:chOff x="0" y="0"/>
+          <a:chExt cx="0" cy="0"/>
+        </a:xfrm>
+      </p:grpSpPr>
+      <p:sp>
+        <p:nvSpPr>
+          <p:cNvPr id="5" name="TextBox 4">
+            <a:extLst>
+              <a:ext uri="{FF2B5EF4-FFF2-40B4-BE49-F238E27FC236}">
+                <a16:creationId xmlns:a16="http://schemas.microsoft.com/office/drawing/2014/main" id="{06AB7342-8695-90D7-283E-8B1B94A6D940}"/>
+              </a:ext>
+            </a:extLst>
+          </p:cNvPr>
+          <p:cNvSpPr txBox="1"/>
+          <p:nvPr/>
+        </p:nvSpPr>
+        <p:spPr>
+          <a:xfrm>
+            <a:off x="0" y="438266"/>
+            <a:ext cx="12192000" cy="5909310"/>
+          </a:xfrm>
+          <a:prstGeom prst="rect">
+            <a:avLst/>
+          </a:prstGeom>
+          <a:noFill/>
+        </p:spPr>
+        <p:txBody>
+          <a:bodyPr wrap="square">
+            <a:spAutoFit/>
+          </a:bodyPr>
+          <a:lstStyle/>
+          <a:p>
+            <a:r>
+              <a:rPr lang="en-US" b="1" dirty="0"/>
+              <a:t>Break &amp; Continue</a:t>
+            </a:r>
+          </a:p>
+          <a:p>
+            <a:r>
+              <a:rPr lang="en-US" dirty="0"/>
+              <a:t>Jumps in loops are used to control the flow of loops. There are two statements  used to implement jump in loops - Continue and Break. These statements are  used when we need to change the flow of the loop when some specified  condition is met.</a:t>
+            </a:r>
+          </a:p>
+          <a:p>
+            <a:endParaRPr lang="en-US" dirty="0"/>
+          </a:p>
+          <a:p>
+            <a:endParaRPr lang="en-US" dirty="0"/>
+          </a:p>
+          <a:p>
+            <a:r>
+              <a:rPr lang="en-US" b="1" dirty="0"/>
+              <a:t>Continue statement </a:t>
+            </a:r>
+            <a:r>
+              <a:rPr lang="en-US" dirty="0"/>
+              <a:t>is used to skip to the next iteration of that loop. This  means that it stops one iteration of the loop. All the statements present  after the continue statement in that loop are not executed.</a:t>
+            </a:r>
+          </a:p>
+          <a:p>
+            <a:endParaRPr lang="en-US" dirty="0"/>
+          </a:p>
+          <a:p>
+            <a:r>
+              <a:rPr lang="en-US" dirty="0"/>
+              <a:t>int </a:t>
+            </a:r>
+            <a:r>
+              <a:rPr lang="en-US" dirty="0" err="1"/>
+              <a:t>i</a:t>
+            </a:r>
+            <a:r>
+              <a:rPr lang="en-US" dirty="0"/>
+              <a:t>;</a:t>
+            </a:r>
+          </a:p>
+          <a:p>
+            <a:r>
+              <a:rPr lang="en-US" dirty="0"/>
+              <a:t>for (</a:t>
+            </a:r>
+            <a:r>
+              <a:rPr lang="en-US" dirty="0" err="1"/>
+              <a:t>i</a:t>
+            </a:r>
+            <a:r>
+              <a:rPr lang="en-US" dirty="0"/>
+              <a:t>=1; </a:t>
+            </a:r>
+            <a:r>
+              <a:rPr lang="en-US" dirty="0" err="1"/>
+              <a:t>i</a:t>
+            </a:r>
+            <a:r>
+              <a:rPr lang="en-US" dirty="0"/>
+              <a:t>&lt;=20; </a:t>
+            </a:r>
+            <a:r>
+              <a:rPr lang="en-US" dirty="0" err="1"/>
+              <a:t>i</a:t>
+            </a:r>
+            <a:r>
+              <a:rPr lang="en-US" dirty="0"/>
+              <a:t>++) {</a:t>
+            </a:r>
+          </a:p>
+          <a:p>
+            <a:endParaRPr lang="en-US" dirty="0"/>
+          </a:p>
+          <a:p>
+            <a:r>
+              <a:rPr lang="en-US" dirty="0"/>
+              <a:t>   if (i%3==0) {</a:t>
+            </a:r>
+          </a:p>
+          <a:p>
+            <a:r>
+              <a:rPr lang="en-US" dirty="0"/>
+              <a:t>       continue;</a:t>
+            </a:r>
+          </a:p>
+          <a:p>
+            <a:r>
+              <a:rPr lang="en-US" dirty="0"/>
+              <a:t>   }</a:t>
+            </a:r>
+          </a:p>
+          <a:p>
+            <a:r>
+              <a:rPr lang="en-US" dirty="0"/>
+              <a:t>   </a:t>
+            </a:r>
+            <a:r>
+              <a:rPr lang="en-US" dirty="0" err="1"/>
+              <a:t>System.out.println</a:t>
+            </a:r>
+            <a:r>
+              <a:rPr lang="en-US" dirty="0"/>
+              <a:t>(</a:t>
+            </a:r>
+            <a:r>
+              <a:rPr lang="en-US" dirty="0" err="1"/>
+              <a:t>i</a:t>
+            </a:r>
+            <a:r>
+              <a:rPr lang="en-US" dirty="0"/>
+              <a:t>);</a:t>
+            </a:r>
+          </a:p>
+          <a:p>
+            <a:r>
+              <a:rPr lang="en-US" dirty="0"/>
+              <a:t>}</a:t>
+            </a:r>
+          </a:p>
+          <a:p>
+            <a:endParaRPr lang="en-US" dirty="0"/>
+          </a:p>
+          <a:p>
+            <a:r>
+              <a:rPr lang="en-US" dirty="0"/>
+              <a:t>In this for loop, whenever </a:t>
+            </a:r>
+            <a:r>
+              <a:rPr lang="en-US" dirty="0" err="1"/>
+              <a:t>i</a:t>
+            </a:r>
+            <a:r>
+              <a:rPr lang="en-US" dirty="0"/>
+              <a:t> is a number divisible by 3, it will not be printed  as the loop will skip to the next iteration due to the continue statement.  Hence, all the numbers except those which are divisible by 3 will be printed.</a:t>
+            </a:r>
+          </a:p>
+          <a:p>
+            <a:endParaRPr lang="en-US" dirty="0"/>
+          </a:p>
+          <a:p>
+            <a:endParaRPr lang="en-US" dirty="0"/>
+          </a:p>
+        </p:txBody>
+      </p:sp>
+    </p:spTree>
+    <p:extLst>
+      <p:ext uri="{BB962C8B-B14F-4D97-AF65-F5344CB8AC3E}">
+        <p14:creationId xmlns:p14="http://schemas.microsoft.com/office/powerpoint/2010/main" val="651455560"/>
+      </p:ext>
+    </p:extLst>
+  </p:cSld>
+  <p:clrMapOvr>
+    <a:masterClrMapping/>
+  </p:clrMapOvr>
+</p:sld>
+</file>
+
+<file path=ppt/slides/slide21.xml><?xml version="1.0" encoding="utf-8"?>
+<p:sld xmlns:a="http://schemas.openxmlformats.org/drawingml/2006/main" xmlns:r="http://schemas.openxmlformats.org/officeDocument/2006/relationships" xmlns:p="http://schemas.openxmlformats.org/presentationml/2006/main">
+  <p:cSld>
+    <p:spTree>
+      <p:nvGrpSpPr>
+        <p:cNvPr id="1" name=""/>
+        <p:cNvGrpSpPr/>
+        <p:nvPr/>
+      </p:nvGrpSpPr>
+      <p:grpSpPr>
+        <a:xfrm>
+          <a:off x="0" y="0"/>
+          <a:ext cx="0" cy="0"/>
+          <a:chOff x="0" y="0"/>
+          <a:chExt cx="0" cy="0"/>
+        </a:xfrm>
+      </p:grpSpPr>
+      <p:sp>
+        <p:nvSpPr>
+          <p:cNvPr id="5" name="TextBox 4">
+            <a:extLst>
+              <a:ext uri="{FF2B5EF4-FFF2-40B4-BE49-F238E27FC236}">
+                <a16:creationId xmlns:a16="http://schemas.microsoft.com/office/drawing/2014/main" id="{EB3C03E9-5C3C-B5D3-0D1D-3B640CD89D1D}"/>
+              </a:ext>
+            </a:extLst>
+          </p:cNvPr>
+          <p:cNvSpPr txBox="1"/>
+          <p:nvPr/>
+        </p:nvSpPr>
+        <p:spPr>
+          <a:xfrm>
+            <a:off x="447261" y="335846"/>
+            <a:ext cx="8699223" cy="4524315"/>
+          </a:xfrm>
+          <a:prstGeom prst="rect">
+            <a:avLst/>
+          </a:prstGeom>
+          <a:noFill/>
+        </p:spPr>
+        <p:txBody>
+          <a:bodyPr wrap="square">
+            <a:spAutoFit/>
+          </a:bodyPr>
+          <a:lstStyle/>
+          <a:p>
+            <a:endParaRPr lang="en-US" dirty="0"/>
+          </a:p>
+          <a:p>
+            <a:r>
+              <a:rPr lang="en-US" b="1" dirty="0"/>
+              <a:t>Break statement </a:t>
+            </a:r>
+            <a:r>
+              <a:rPr lang="en-US" dirty="0"/>
+              <a:t>is used to terminate the current loop. As soon as the break  statement is encountered in a loop, all further iterations of the loop are  stopped and control is shifted to the first statement after the end of loop.</a:t>
+            </a:r>
+          </a:p>
+          <a:p>
+            <a:endParaRPr lang="en-US" dirty="0"/>
+          </a:p>
+          <a:p>
+            <a:r>
+              <a:rPr lang="en-US" dirty="0"/>
+              <a:t>int </a:t>
+            </a:r>
+            <a:r>
+              <a:rPr lang="en-US" dirty="0" err="1"/>
+              <a:t>i</a:t>
+            </a:r>
+            <a:r>
+              <a:rPr lang="en-US" dirty="0"/>
+              <a:t>;</a:t>
+            </a:r>
+          </a:p>
+          <a:p>
+            <a:r>
+              <a:rPr lang="en-US" dirty="0"/>
+              <a:t>for (</a:t>
+            </a:r>
+            <a:r>
+              <a:rPr lang="en-US" dirty="0" err="1"/>
+              <a:t>i</a:t>
+            </a:r>
+            <a:r>
+              <a:rPr lang="en-US" dirty="0"/>
+              <a:t>=1; </a:t>
+            </a:r>
+            <a:r>
+              <a:rPr lang="en-US" dirty="0" err="1"/>
+              <a:t>i</a:t>
+            </a:r>
+            <a:r>
+              <a:rPr lang="en-US" dirty="0"/>
+              <a:t>&lt;=20; </a:t>
+            </a:r>
+            <a:r>
+              <a:rPr lang="en-US" dirty="0" err="1"/>
+              <a:t>i</a:t>
+            </a:r>
+            <a:r>
+              <a:rPr lang="en-US" dirty="0"/>
+              <a:t>++) {</a:t>
+            </a:r>
+          </a:p>
+          <a:p>
+            <a:endParaRPr lang="en-US" dirty="0"/>
+          </a:p>
+          <a:p>
+            <a:r>
+              <a:rPr lang="en-US" dirty="0"/>
+              <a:t>   if (</a:t>
+            </a:r>
+            <a:r>
+              <a:rPr lang="en-US" dirty="0" err="1"/>
+              <a:t>i</a:t>
+            </a:r>
+            <a:r>
+              <a:rPr lang="en-US" dirty="0"/>
+              <a:t> == 11) {</a:t>
+            </a:r>
+          </a:p>
+          <a:p>
+            <a:r>
+              <a:rPr lang="en-US" dirty="0"/>
+              <a:t>       break;</a:t>
+            </a:r>
+          </a:p>
+          <a:p>
+            <a:r>
+              <a:rPr lang="en-US" dirty="0"/>
+              <a:t>   }</a:t>
+            </a:r>
+          </a:p>
+          <a:p>
+            <a:r>
+              <a:rPr lang="en-US" dirty="0"/>
+              <a:t>   </a:t>
+            </a:r>
+            <a:r>
+              <a:rPr lang="en-US" dirty="0" err="1"/>
+              <a:t>System.out.println</a:t>
+            </a:r>
+            <a:r>
+              <a:rPr lang="en-US" dirty="0"/>
+              <a:t>(</a:t>
+            </a:r>
+            <a:r>
+              <a:rPr lang="en-US" dirty="0" err="1"/>
+              <a:t>i</a:t>
+            </a:r>
+            <a:r>
+              <a:rPr lang="en-US" dirty="0"/>
+              <a:t>);</a:t>
+            </a:r>
+          </a:p>
+          <a:p>
+            <a:r>
+              <a:rPr lang="en-US" dirty="0"/>
+              <a:t>}</a:t>
+            </a:r>
+          </a:p>
+          <a:p>
+            <a:endParaRPr lang="en-US" dirty="0"/>
+          </a:p>
+          <a:p>
+            <a:r>
+              <a:rPr lang="en-US" dirty="0"/>
+              <a:t>In this loop, when </a:t>
+            </a:r>
+            <a:r>
+              <a:rPr lang="en-US" dirty="0" err="1"/>
+              <a:t>i</a:t>
+            </a:r>
+            <a:r>
+              <a:rPr lang="en-US" dirty="0"/>
+              <a:t> becomes equal to 11, the for loop terminates due to  break statement, Hence, the program will print numbers from 1 to 10  only.</a:t>
+            </a:r>
+          </a:p>
+        </p:txBody>
+      </p:sp>
+    </p:spTree>
+    <p:extLst>
+      <p:ext uri="{BB962C8B-B14F-4D97-AF65-F5344CB8AC3E}">
+        <p14:creationId xmlns:p14="http://schemas.microsoft.com/office/powerpoint/2010/main" val="1349619549"/>
+      </p:ext>
+    </p:extLst>
+  </p:cSld>
+  <p:clrMapOvr>
+    <a:masterClrMapping/>
+  </p:clrMapOvr>
+</p:sld>
+</file>
+
+<file path=ppt/slides/slide22.xml><?xml version="1.0" encoding="utf-8"?>
+<p:sld xmlns:a="http://schemas.openxmlformats.org/drawingml/2006/main" xmlns:r="http://schemas.openxmlformats.org/officeDocument/2006/relationships" xmlns:p="http://schemas.openxmlformats.org/presentationml/2006/main">
+  <p:cSld>
+    <p:spTree>
+      <p:nvGrpSpPr>
+        <p:cNvPr id="1" name=""/>
+        <p:cNvGrpSpPr/>
+        <p:nvPr/>
+      </p:nvGrpSpPr>
+      <p:grpSpPr>
+        <a:xfrm>
+          <a:off x="0" y="0"/>
+          <a:ext cx="0" cy="0"/>
+          <a:chOff x="0" y="0"/>
+          <a:chExt cx="0" cy="0"/>
+        </a:xfrm>
+      </p:grpSpPr>
+      <p:sp>
+        <p:nvSpPr>
+          <p:cNvPr id="7" name="TextBox 6">
+            <a:extLst>
+              <a:ext uri="{FF2B5EF4-FFF2-40B4-BE49-F238E27FC236}">
+                <a16:creationId xmlns:a16="http://schemas.microsoft.com/office/drawing/2014/main" id="{80FCE4AB-6918-8270-8FA9-5ED4BB6B2BB3}"/>
+              </a:ext>
+            </a:extLst>
+          </p:cNvPr>
+          <p:cNvSpPr txBox="1"/>
+          <p:nvPr/>
+        </p:nvSpPr>
+        <p:spPr>
+          <a:xfrm>
+            <a:off x="0" y="1166843"/>
+            <a:ext cx="9146484" cy="4247317"/>
+          </a:xfrm>
+          <a:prstGeom prst="rect">
+            <a:avLst/>
+          </a:prstGeom>
+          <a:noFill/>
+        </p:spPr>
+        <p:txBody>
+          <a:bodyPr wrap="square">
+            <a:spAutoFit/>
+          </a:bodyPr>
+          <a:lstStyle/>
+          <a:p>
+            <a:r>
+              <a:rPr lang="en-US" b="1" dirty="0"/>
+              <a:t>Loops</a:t>
+            </a:r>
+          </a:p>
+          <a:p>
+            <a:r>
+              <a:rPr lang="en-US" dirty="0"/>
+              <a:t>A loop is used for executing a block of statements repeatedly until a particular  condition is satisfied. A loop consists of an initialization statement, a test condition and an increment statement.</a:t>
+            </a:r>
+          </a:p>
+          <a:p>
+            <a:endParaRPr lang="en-US" dirty="0"/>
+          </a:p>
+          <a:p>
+            <a:r>
+              <a:rPr lang="en-US" b="1" dirty="0"/>
+              <a:t>For Loop</a:t>
+            </a:r>
+          </a:p>
+          <a:p>
+            <a:r>
+              <a:rPr lang="en-US" dirty="0"/>
+              <a:t>The syntax of the for loop is  :</a:t>
+            </a:r>
+          </a:p>
+          <a:p>
+            <a:endParaRPr lang="en-US" dirty="0"/>
+          </a:p>
+          <a:p>
+            <a:r>
+              <a:rPr lang="en-US" dirty="0"/>
+              <a:t>for (initialization; condition; update) { </a:t>
+            </a:r>
+          </a:p>
+          <a:p>
+            <a:r>
+              <a:rPr lang="en-US" dirty="0"/>
+              <a:t> // body of-loop </a:t>
+            </a:r>
+          </a:p>
+          <a:p>
+            <a:r>
+              <a:rPr lang="en-US" dirty="0"/>
+              <a:t>}</a:t>
+            </a:r>
+          </a:p>
+          <a:p>
+            <a:endParaRPr lang="en-US" dirty="0"/>
+          </a:p>
+          <a:p>
+            <a:r>
+              <a:rPr lang="en-US" dirty="0"/>
+              <a:t>for (int </a:t>
+            </a:r>
+            <a:r>
+              <a:rPr lang="en-US" dirty="0" err="1"/>
+              <a:t>i</a:t>
+            </a:r>
+            <a:r>
+              <a:rPr lang="en-US" dirty="0"/>
+              <a:t>=1; </a:t>
+            </a:r>
+            <a:r>
+              <a:rPr lang="en-US" dirty="0" err="1"/>
+              <a:t>i</a:t>
+            </a:r>
+            <a:r>
+              <a:rPr lang="en-US" dirty="0"/>
+              <a:t>&lt;=20; </a:t>
+            </a:r>
+            <a:r>
+              <a:rPr lang="en-US" dirty="0" err="1"/>
+              <a:t>i</a:t>
+            </a:r>
+            <a:r>
+              <a:rPr lang="en-US" dirty="0"/>
+              <a:t>++) {</a:t>
+            </a:r>
+          </a:p>
+          <a:p>
+            <a:r>
+              <a:rPr lang="en-US" dirty="0"/>
+              <a:t>   </a:t>
+            </a:r>
+            <a:r>
+              <a:rPr lang="en-US" dirty="0" err="1"/>
+              <a:t>System.out.println</a:t>
+            </a:r>
+            <a:r>
+              <a:rPr lang="en-US" dirty="0"/>
+              <a:t>(</a:t>
+            </a:r>
+            <a:r>
+              <a:rPr lang="en-US" dirty="0" err="1"/>
+              <a:t>i</a:t>
+            </a:r>
+            <a:r>
+              <a:rPr lang="en-US" dirty="0"/>
+              <a:t>);</a:t>
+            </a:r>
+          </a:p>
+          <a:p>
+            <a:r>
+              <a:rPr lang="en-US" dirty="0"/>
+              <a:t>}</a:t>
+            </a:r>
+          </a:p>
+        </p:txBody>
+      </p:sp>
+    </p:spTree>
+    <p:extLst>
+      <p:ext uri="{BB962C8B-B14F-4D97-AF65-F5344CB8AC3E}">
+        <p14:creationId xmlns:p14="http://schemas.microsoft.com/office/powerpoint/2010/main" val="1749902478"/>
+      </p:ext>
+    </p:extLst>
+  </p:cSld>
+  <p:clrMapOvr>
+    <a:masterClrMapping/>
+  </p:clrMapOvr>
+</p:sld>
+</file>
+
+<file path=ppt/slides/slide23.xml><?xml version="1.0" encoding="utf-8"?>
+<p:sld xmlns:a="http://schemas.openxmlformats.org/drawingml/2006/main" xmlns:r="http://schemas.openxmlformats.org/officeDocument/2006/relationships" xmlns:p="http://schemas.openxmlformats.org/presentationml/2006/main">
+  <p:cSld>
+    <p:spTree>
+      <p:nvGrpSpPr>
+        <p:cNvPr id="1" name=""/>
+        <p:cNvGrpSpPr/>
+        <p:nvPr/>
+      </p:nvGrpSpPr>
+      <p:grpSpPr>
+        <a:xfrm>
+          <a:off x="0" y="0"/>
+          <a:ext cx="0" cy="0"/>
+          <a:chOff x="0" y="0"/>
+          <a:chExt cx="0" cy="0"/>
+        </a:xfrm>
+      </p:grpSpPr>
+      <p:sp>
+        <p:nvSpPr>
+          <p:cNvPr id="7" name="TextBox 6">
+            <a:extLst>
+              <a:ext uri="{FF2B5EF4-FFF2-40B4-BE49-F238E27FC236}">
+                <a16:creationId xmlns:a16="http://schemas.microsoft.com/office/drawing/2014/main" id="{6768D87D-F891-0C9C-7C99-D981C34D7B7D}"/>
+              </a:ext>
+            </a:extLst>
+          </p:cNvPr>
+          <p:cNvSpPr txBox="1"/>
+          <p:nvPr/>
+        </p:nvSpPr>
+        <p:spPr>
+          <a:xfrm>
+            <a:off x="407505" y="1193418"/>
+            <a:ext cx="8679345" cy="3693319"/>
+          </a:xfrm>
+          <a:prstGeom prst="rect">
+            <a:avLst/>
+          </a:prstGeom>
+          <a:noFill/>
+        </p:spPr>
+        <p:txBody>
+          <a:bodyPr wrap="square">
+            <a:spAutoFit/>
+          </a:bodyPr>
+          <a:lstStyle/>
+          <a:p>
+            <a:r>
+              <a:rPr lang="en-US" b="1" dirty="0"/>
+              <a:t>While Loop</a:t>
+            </a:r>
+          </a:p>
+          <a:p>
+            <a:r>
+              <a:rPr lang="en-US" dirty="0"/>
+              <a:t>The syntax for while loop is :</a:t>
+            </a:r>
+          </a:p>
+          <a:p>
+            <a:endParaRPr lang="en-US" dirty="0"/>
+          </a:p>
+          <a:p>
+            <a:r>
+              <a:rPr lang="en-US" dirty="0"/>
+              <a:t>while(condition) { </a:t>
+            </a:r>
+          </a:p>
+          <a:p>
+            <a:r>
+              <a:rPr lang="en-US" dirty="0"/>
+              <a:t> // body of the loop </a:t>
+            </a:r>
+          </a:p>
+          <a:p>
+            <a:r>
+              <a:rPr lang="en-US" dirty="0"/>
+              <a:t>}</a:t>
+            </a:r>
+          </a:p>
+          <a:p>
+            <a:endParaRPr lang="en-US" dirty="0"/>
+          </a:p>
+          <a:p>
+            <a:r>
+              <a:rPr lang="en-US" dirty="0"/>
+              <a:t>int </a:t>
+            </a:r>
+            <a:r>
+              <a:rPr lang="en-US" dirty="0" err="1"/>
+              <a:t>i</a:t>
+            </a:r>
+            <a:r>
+              <a:rPr lang="en-US" dirty="0"/>
+              <a:t> = 0;</a:t>
+            </a:r>
+          </a:p>
+          <a:p>
+            <a:endParaRPr lang="en-US" dirty="0"/>
+          </a:p>
+          <a:p>
+            <a:r>
+              <a:rPr lang="en-US" dirty="0"/>
+              <a:t>while(</a:t>
+            </a:r>
+            <a:r>
+              <a:rPr lang="en-US" dirty="0" err="1"/>
+              <a:t>i</a:t>
+            </a:r>
+            <a:r>
+              <a:rPr lang="en-US" dirty="0"/>
+              <a:t>&lt;=20) {</a:t>
+            </a:r>
+          </a:p>
+          <a:p>
+            <a:r>
+              <a:rPr lang="en-US" dirty="0"/>
+              <a:t>   </a:t>
+            </a:r>
+            <a:r>
+              <a:rPr lang="en-US" dirty="0" err="1"/>
+              <a:t>System.out.println</a:t>
+            </a:r>
+            <a:r>
+              <a:rPr lang="en-US" dirty="0"/>
+              <a:t>(</a:t>
+            </a:r>
+            <a:r>
+              <a:rPr lang="en-US" dirty="0" err="1"/>
+              <a:t>i</a:t>
+            </a:r>
+            <a:r>
+              <a:rPr lang="en-US" dirty="0"/>
+              <a:t>);</a:t>
+            </a:r>
+          </a:p>
+          <a:p>
+            <a:r>
+              <a:rPr lang="en-US" dirty="0"/>
+              <a:t>   </a:t>
+            </a:r>
+            <a:r>
+              <a:rPr lang="en-US" dirty="0" err="1"/>
+              <a:t>i</a:t>
+            </a:r>
+            <a:r>
+              <a:rPr lang="en-US" dirty="0"/>
+              <a:t>++;</a:t>
+            </a:r>
+          </a:p>
+          <a:p>
+            <a:r>
+              <a:rPr lang="en-US" dirty="0"/>
+              <a:t>}</a:t>
+            </a:r>
+          </a:p>
+        </p:txBody>
+      </p:sp>
+    </p:spTree>
+    <p:extLst>
+      <p:ext uri="{BB962C8B-B14F-4D97-AF65-F5344CB8AC3E}">
+        <p14:creationId xmlns:p14="http://schemas.microsoft.com/office/powerpoint/2010/main" val="773797199"/>
+      </p:ext>
+    </p:extLst>
+  </p:cSld>
+  <p:clrMapOvr>
+    <a:masterClrMapping/>
+  </p:clrMapOvr>
+</p:sld>
+</file>
+
+<file path=ppt/slides/slide24.xml><?xml version="1.0" encoding="utf-8"?>
+<p:sld xmlns:a="http://schemas.openxmlformats.org/drawingml/2006/main" xmlns:r="http://schemas.openxmlformats.org/officeDocument/2006/relationships" xmlns:p="http://schemas.openxmlformats.org/presentationml/2006/main">
+  <p:cSld>
+    <p:spTree>
+      <p:nvGrpSpPr>
+        <p:cNvPr id="1" name=""/>
+        <p:cNvGrpSpPr/>
+        <p:nvPr/>
+      </p:nvGrpSpPr>
+      <p:grpSpPr>
+        <a:xfrm>
+          <a:off x="0" y="0"/>
+          <a:ext cx="0" cy="0"/>
+          <a:chOff x="0" y="0"/>
+          <a:chExt cx="0" cy="0"/>
+        </a:xfrm>
+      </p:grpSpPr>
+      <p:sp>
+        <p:nvSpPr>
+          <p:cNvPr id="5" name="TextBox 4">
+            <a:extLst>
+              <a:ext uri="{FF2B5EF4-FFF2-40B4-BE49-F238E27FC236}">
+                <a16:creationId xmlns:a16="http://schemas.microsoft.com/office/drawing/2014/main" id="{3439DC45-1E1F-1764-9B32-138D4297E56F}"/>
+              </a:ext>
+            </a:extLst>
+          </p:cNvPr>
+          <p:cNvSpPr txBox="1"/>
+          <p:nvPr/>
+        </p:nvSpPr>
+        <p:spPr>
+          <a:xfrm>
+            <a:off x="812523" y="1223884"/>
+            <a:ext cx="6097656" cy="3970318"/>
+          </a:xfrm>
+          <a:prstGeom prst="rect">
+            <a:avLst/>
+          </a:prstGeom>
+          <a:noFill/>
+        </p:spPr>
+        <p:txBody>
+          <a:bodyPr wrap="square">
+            <a:spAutoFit/>
+          </a:bodyPr>
+          <a:lstStyle/>
+          <a:p>
+            <a:r>
+              <a:rPr lang="en-US" b="1" dirty="0"/>
+              <a:t>Do-While Loop</a:t>
+            </a:r>
+          </a:p>
+          <a:p>
+            <a:r>
+              <a:rPr lang="en-US" dirty="0"/>
+              <a:t>The syntax for the do-while loop is :</a:t>
+            </a:r>
+          </a:p>
+          <a:p>
+            <a:endParaRPr lang="en-US" dirty="0"/>
+          </a:p>
+          <a:p>
+            <a:endParaRPr lang="en-US" dirty="0"/>
+          </a:p>
+          <a:p>
+            <a:r>
+              <a:rPr lang="en-US" dirty="0"/>
+              <a:t>do { </a:t>
+            </a:r>
+          </a:p>
+          <a:p>
+            <a:r>
+              <a:rPr lang="en-US" dirty="0"/>
+              <a:t> // body of loop; </a:t>
+            </a:r>
+          </a:p>
+          <a:p>
+            <a:r>
+              <a:rPr lang="en-US" dirty="0"/>
+              <a:t>} </a:t>
+            </a:r>
+          </a:p>
+          <a:p>
+            <a:r>
+              <a:rPr lang="en-US" dirty="0"/>
+              <a:t>while (condition);</a:t>
+            </a:r>
+          </a:p>
+          <a:p>
+            <a:endParaRPr lang="en-US" dirty="0"/>
+          </a:p>
+          <a:p>
+            <a:r>
+              <a:rPr lang="en-US" dirty="0"/>
+              <a:t>int </a:t>
+            </a:r>
+            <a:r>
+              <a:rPr lang="en-US" dirty="0" err="1"/>
+              <a:t>i</a:t>
+            </a:r>
+            <a:r>
+              <a:rPr lang="en-US" dirty="0"/>
+              <a:t> = 0;</a:t>
+            </a:r>
+          </a:p>
+          <a:p>
+            <a:r>
+              <a:rPr lang="en-US" dirty="0"/>
+              <a:t>do {</a:t>
+            </a:r>
+          </a:p>
+          <a:p>
+            <a:r>
+              <a:rPr lang="en-US" dirty="0"/>
+              <a:t>   </a:t>
+            </a:r>
+            <a:r>
+              <a:rPr lang="en-US" dirty="0" err="1"/>
+              <a:t>System.out.println</a:t>
+            </a:r>
+            <a:r>
+              <a:rPr lang="en-US" dirty="0"/>
+              <a:t>(</a:t>
+            </a:r>
+            <a:r>
+              <a:rPr lang="en-US" dirty="0" err="1"/>
+              <a:t>i</a:t>
+            </a:r>
+            <a:r>
+              <a:rPr lang="en-US" dirty="0"/>
+              <a:t>);</a:t>
+            </a:r>
+          </a:p>
+          <a:p>
+            <a:r>
+              <a:rPr lang="en-US" dirty="0"/>
+              <a:t>   </a:t>
+            </a:r>
+            <a:r>
+              <a:rPr lang="en-US" dirty="0" err="1"/>
+              <a:t>i</a:t>
+            </a:r>
+            <a:r>
+              <a:rPr lang="en-US" dirty="0"/>
+              <a:t>++;</a:t>
+            </a:r>
+          </a:p>
+          <a:p>
+            <a:r>
+              <a:rPr lang="en-US" dirty="0"/>
+              <a:t>} while(</a:t>
+            </a:r>
+            <a:r>
+              <a:rPr lang="en-US" dirty="0" err="1"/>
+              <a:t>i</a:t>
+            </a:r>
+            <a:r>
+              <a:rPr lang="en-US" dirty="0"/>
+              <a:t>&lt;=20);</a:t>
+            </a:r>
+          </a:p>
+        </p:txBody>
+      </p:sp>
+    </p:spTree>
+    <p:extLst>
+      <p:ext uri="{BB962C8B-B14F-4D97-AF65-F5344CB8AC3E}">
+        <p14:creationId xmlns:p14="http://schemas.microsoft.com/office/powerpoint/2010/main" val="552940386"/>
+      </p:ext>
+    </p:extLst>
+  </p:cSld>
+  <p:clrMapOvr>
+    <a:masterClrMapping/>
+  </p:clrMapOvr>
+</p:sld>
+</file>
+
+<file path=ppt/slides/slide25.xml><?xml version="1.0" encoding="utf-8"?>
+<p:sld xmlns:a="http://schemas.openxmlformats.org/drawingml/2006/main" xmlns:r="http://schemas.openxmlformats.org/officeDocument/2006/relationships" xmlns:p="http://schemas.openxmlformats.org/presentationml/2006/main">
+  <p:cSld>
+    <p:spTree>
+      <p:nvGrpSpPr>
+        <p:cNvPr id="1" name=""/>
+        <p:cNvGrpSpPr/>
+        <p:nvPr/>
+      </p:nvGrpSpPr>
+      <p:grpSpPr>
+        <a:xfrm>
+          <a:off x="0" y="0"/>
+          <a:ext cx="0" cy="0"/>
+          <a:chOff x="0" y="0"/>
+          <a:chExt cx="0" cy="0"/>
+        </a:xfrm>
+      </p:grpSpPr>
+      <p:sp>
+        <p:nvSpPr>
+          <p:cNvPr id="7" name="TextBox 6">
+            <a:extLst>
+              <a:ext uri="{FF2B5EF4-FFF2-40B4-BE49-F238E27FC236}">
+                <a16:creationId xmlns:a16="http://schemas.microsoft.com/office/drawing/2014/main" id="{E6D0F8AA-5F77-9BCF-63BC-019CA1A6DE64}"/>
+              </a:ext>
+            </a:extLst>
+          </p:cNvPr>
+          <p:cNvSpPr txBox="1"/>
+          <p:nvPr/>
+        </p:nvSpPr>
+        <p:spPr>
+          <a:xfrm>
+            <a:off x="0" y="751344"/>
+            <a:ext cx="9146484" cy="5632311"/>
+          </a:xfrm>
+          <a:prstGeom prst="rect">
+            <a:avLst/>
+          </a:prstGeom>
+          <a:noFill/>
+        </p:spPr>
+        <p:txBody>
+          <a:bodyPr wrap="square">
+            <a:spAutoFit/>
+          </a:bodyPr>
+          <a:lstStyle/>
+          <a:p>
+            <a:r>
+              <a:rPr lang="en-US" b="1" dirty="0"/>
+              <a:t>Exception Handling (try-catch)</a:t>
+            </a:r>
+          </a:p>
+          <a:p>
+            <a:endParaRPr lang="en-US" b="1" dirty="0"/>
+          </a:p>
+          <a:p>
+            <a:r>
+              <a:rPr lang="en-US" dirty="0"/>
+              <a:t>Exception Handling in Java is a mechanism to handle the runtime errors so that normal flow of the application can be maintained.</a:t>
+            </a:r>
+          </a:p>
+          <a:p>
+            <a:endParaRPr lang="en-US" dirty="0"/>
+          </a:p>
+          <a:p>
+            <a:r>
+              <a:rPr lang="en-US" dirty="0"/>
+              <a:t>It is done using 2 keywords - ‘</a:t>
+            </a:r>
+            <a:r>
+              <a:rPr lang="en-US" b="1" dirty="0"/>
+              <a:t>try</a:t>
+            </a:r>
+            <a:r>
+              <a:rPr lang="en-US" dirty="0"/>
+              <a:t>’ and ‘</a:t>
+            </a:r>
+            <a:r>
+              <a:rPr lang="en-US" b="1" dirty="0"/>
+              <a:t>catch</a:t>
+            </a:r>
+            <a:r>
+              <a:rPr lang="en-US" dirty="0"/>
+              <a:t>’.</a:t>
+            </a:r>
+          </a:p>
+          <a:p>
+            <a:endParaRPr lang="en-US" dirty="0"/>
+          </a:p>
+          <a:p>
+            <a:r>
+              <a:rPr lang="en-US" dirty="0"/>
+              <a:t>Additional keywords like </a:t>
+            </a:r>
+            <a:r>
+              <a:rPr lang="en-US" b="1" dirty="0"/>
+              <a:t>finally</a:t>
+            </a:r>
+            <a:r>
+              <a:rPr lang="en-US" dirty="0"/>
+              <a:t>, throw and throws can also be used if we dive deep into this concept.</a:t>
+            </a:r>
+          </a:p>
+          <a:p>
+            <a:endParaRPr lang="en-US" dirty="0"/>
+          </a:p>
+          <a:p>
+            <a:r>
+              <a:rPr lang="en-US" dirty="0"/>
+              <a:t>int[] marks = {98, 97, 95};</a:t>
+            </a:r>
+          </a:p>
+          <a:p>
+            <a:endParaRPr lang="en-US" dirty="0"/>
+          </a:p>
+          <a:p>
+            <a:r>
+              <a:rPr lang="en-US" dirty="0"/>
+              <a:t>try {</a:t>
+            </a:r>
+          </a:p>
+          <a:p>
+            <a:r>
+              <a:rPr lang="en-US" dirty="0"/>
+              <a:t>   </a:t>
+            </a:r>
+            <a:r>
+              <a:rPr lang="en-US" dirty="0" err="1"/>
+              <a:t>System.out.println</a:t>
+            </a:r>
+            <a:r>
+              <a:rPr lang="en-US" dirty="0"/>
+              <a:t>(marks[4]);</a:t>
+            </a:r>
+          </a:p>
+          <a:p>
+            <a:r>
+              <a:rPr lang="en-US" dirty="0"/>
+              <a:t>} catch (Exception exception) {</a:t>
+            </a:r>
+          </a:p>
+          <a:p>
+            <a:r>
+              <a:rPr lang="en-US" dirty="0"/>
+              <a:t>   </a:t>
+            </a:r>
+            <a:r>
+              <a:rPr lang="en-US" dirty="0" err="1"/>
+              <a:t>System.out.println</a:t>
+            </a:r>
+            <a:r>
+              <a:rPr lang="en-US" dirty="0"/>
+              <a:t>("An exception for caught while accessing an index the 'marks' array");</a:t>
+            </a:r>
+          </a:p>
+          <a:p>
+            <a:r>
+              <a:rPr lang="en-US" dirty="0"/>
+              <a:t>}</a:t>
+            </a:r>
+          </a:p>
+          <a:p>
+            <a:endParaRPr lang="en-US" dirty="0"/>
+          </a:p>
+          <a:p>
+            <a:r>
+              <a:rPr lang="en-US" dirty="0" err="1"/>
+              <a:t>System.out.println</a:t>
+            </a:r>
+            <a:r>
+              <a:rPr lang="en-US" dirty="0"/>
+              <a:t>("We tried to print marks &amp; an exception must have occurred with index &gt;=3");</a:t>
+            </a:r>
+          </a:p>
+        </p:txBody>
+      </p:sp>
+    </p:spTree>
+    <p:extLst>
+      <p:ext uri="{BB962C8B-B14F-4D97-AF65-F5344CB8AC3E}">
+        <p14:creationId xmlns:p14="http://schemas.microsoft.com/office/powerpoint/2010/main" val="7356087"/>
       </p:ext>
     </p:extLst>
   </p:cSld>
